--- a/Pipelined Processor Demo.pptx
+++ b/Pipelined Processor Demo.pptx
@@ -118,6 +118,11 @@
       </a:defRPr>
     </a:lvl9pPr>
   </p:defaultTextStyle>
+  <p:extLst>
+    <p:ext uri="{EFAFB233-063F-42B5-8137-9DF3F51BA10A}">
+      <p15:sldGuideLst xmlns:p15="http://schemas.microsoft.com/office/powerpoint/2012/main"/>
+    </p:ext>
+  </p:extLst>
 </p:presentation>
 </file>
 
@@ -843,7 +848,7 @@
           <a:p>
             <a:fld id="{314FB95D-44A2-4E0F-82D6-76A7D07A15D5}" type="datetimeFigureOut">
               <a:rPr lang="en-US" smtClean="0"/>
-              <a:t>3/10/2016</a:t>
+              <a:t>3/10/16</a:t>
             </a:fld>
             <a:endParaRPr lang="en-US"/>
           </a:p>
@@ -1094,7 +1099,7 @@
           <a:p>
             <a:fld id="{314FB95D-44A2-4E0F-82D6-76A7D07A15D5}" type="datetimeFigureOut">
               <a:rPr lang="en-US" smtClean="0"/>
-              <a:t>3/10/2016</a:t>
+              <a:t>3/10/16</a:t>
             </a:fld>
             <a:endParaRPr lang="en-US"/>
           </a:p>
@@ -1408,7 +1413,7 @@
           <a:p>
             <a:fld id="{314FB95D-44A2-4E0F-82D6-76A7D07A15D5}" type="datetimeFigureOut">
               <a:rPr lang="en-US" smtClean="0"/>
-              <a:t>3/10/2016</a:t>
+              <a:t>3/10/16</a:t>
             </a:fld>
             <a:endParaRPr lang="en-US"/>
           </a:p>
@@ -1749,7 +1754,7 @@
           <a:p>
             <a:fld id="{314FB95D-44A2-4E0F-82D6-76A7D07A15D5}" type="datetimeFigureOut">
               <a:rPr lang="en-US" smtClean="0"/>
-              <a:t>3/10/2016</a:t>
+              <a:t>3/10/16</a:t>
             </a:fld>
             <a:endParaRPr lang="en-US"/>
           </a:p>
@@ -2063,7 +2068,7 @@
           <a:p>
             <a:fld id="{314FB95D-44A2-4E0F-82D6-76A7D07A15D5}" type="datetimeFigureOut">
               <a:rPr lang="en-US" smtClean="0"/>
-              <a:t>3/10/2016</a:t>
+              <a:t>3/10/16</a:t>
             </a:fld>
             <a:endParaRPr lang="en-US"/>
           </a:p>
@@ -2456,7 +2461,7 @@
           <a:p>
             <a:fld id="{314FB95D-44A2-4E0F-82D6-76A7D07A15D5}" type="datetimeFigureOut">
               <a:rPr lang="en-US" smtClean="0"/>
-              <a:t>3/10/2016</a:t>
+              <a:t>3/10/16</a:t>
             </a:fld>
             <a:endParaRPr lang="en-US"/>
           </a:p>
@@ -2626,7 +2631,7 @@
           <a:p>
             <a:fld id="{314FB95D-44A2-4E0F-82D6-76A7D07A15D5}" type="datetimeFigureOut">
               <a:rPr lang="en-US" smtClean="0"/>
-              <a:t>3/10/2016</a:t>
+              <a:t>3/10/16</a:t>
             </a:fld>
             <a:endParaRPr lang="en-US"/>
           </a:p>
@@ -2806,7 +2811,7 @@
           <a:p>
             <a:fld id="{314FB95D-44A2-4E0F-82D6-76A7D07A15D5}" type="datetimeFigureOut">
               <a:rPr lang="en-US" smtClean="0"/>
-              <a:t>3/10/2016</a:t>
+              <a:t>3/10/16</a:t>
             </a:fld>
             <a:endParaRPr lang="en-US"/>
           </a:p>
@@ -2982,7 +2987,7 @@
           <a:p>
             <a:fld id="{314FB95D-44A2-4E0F-82D6-76A7D07A15D5}" type="datetimeFigureOut">
               <a:rPr lang="en-US" smtClean="0"/>
-              <a:t>3/10/2016</a:t>
+              <a:t>3/10/16</a:t>
             </a:fld>
             <a:endParaRPr lang="en-US"/>
           </a:p>
@@ -3229,7 +3234,7 @@
           <a:p>
             <a:fld id="{314FB95D-44A2-4E0F-82D6-76A7D07A15D5}" type="datetimeFigureOut">
               <a:rPr lang="en-US" smtClean="0"/>
-              <a:t>3/10/2016</a:t>
+              <a:t>3/10/16</a:t>
             </a:fld>
             <a:endParaRPr lang="en-US"/>
           </a:p>
@@ -3461,7 +3466,7 @@
           <a:p>
             <a:fld id="{314FB95D-44A2-4E0F-82D6-76A7D07A15D5}" type="datetimeFigureOut">
               <a:rPr lang="en-US" smtClean="0"/>
-              <a:t>3/10/2016</a:t>
+              <a:t>3/10/16</a:t>
             </a:fld>
             <a:endParaRPr lang="en-US"/>
           </a:p>
@@ -3835,7 +3840,7 @@
           <a:p>
             <a:fld id="{314FB95D-44A2-4E0F-82D6-76A7D07A15D5}" type="datetimeFigureOut">
               <a:rPr lang="en-US" smtClean="0"/>
-              <a:t>3/10/2016</a:t>
+              <a:t>3/10/16</a:t>
             </a:fld>
             <a:endParaRPr lang="en-US"/>
           </a:p>
@@ -3958,7 +3963,7 @@
           <a:p>
             <a:fld id="{314FB95D-44A2-4E0F-82D6-76A7D07A15D5}" type="datetimeFigureOut">
               <a:rPr lang="en-US" smtClean="0"/>
-              <a:t>3/10/2016</a:t>
+              <a:t>3/10/16</a:t>
             </a:fld>
             <a:endParaRPr lang="en-US"/>
           </a:p>
@@ -4053,7 +4058,7 @@
           <a:p>
             <a:fld id="{314FB95D-44A2-4E0F-82D6-76A7D07A15D5}" type="datetimeFigureOut">
               <a:rPr lang="en-US" smtClean="0"/>
-              <a:t>3/10/2016</a:t>
+              <a:t>3/10/16</a:t>
             </a:fld>
             <a:endParaRPr lang="en-US"/>
           </a:p>
@@ -4308,7 +4313,7 @@
           <a:p>
             <a:fld id="{314FB95D-44A2-4E0F-82D6-76A7D07A15D5}" type="datetimeFigureOut">
               <a:rPr lang="en-US" smtClean="0"/>
-              <a:t>3/10/2016</a:t>
+              <a:t>3/10/16</a:t>
             </a:fld>
             <a:endParaRPr lang="en-US"/>
           </a:p>
@@ -4571,7 +4576,7 @@
           <a:p>
             <a:fld id="{314FB95D-44A2-4E0F-82D6-76A7D07A15D5}" type="datetimeFigureOut">
               <a:rPr lang="en-US" smtClean="0"/>
-              <a:t>3/10/2016</a:t>
+              <a:t>3/10/16</a:t>
             </a:fld>
             <a:endParaRPr lang="en-US"/>
           </a:p>
@@ -5314,7 +5319,7 @@
           <a:p>
             <a:fld id="{314FB95D-44A2-4E0F-82D6-76A7D07A15D5}" type="datetimeFigureOut">
               <a:rPr lang="en-US" smtClean="0"/>
-              <a:t>3/10/2016</a:t>
+              <a:t>3/10/16</a:t>
             </a:fld>
             <a:endParaRPr lang="en-US"/>
           </a:p>
@@ -5969,7 +5974,53 @@
           <a:p>
             <a:r>
               <a:rPr lang="en-US" dirty="0" smtClean="0"/>
-              <a:t>(a couple bullet points, probably 3, describing briefly how we implemented hazard detection logic) </a:t>
+              <a:t>We looked at each possible hazard and solved each one with one module</a:t>
+            </a:r>
+          </a:p>
+          <a:p>
+            <a:r>
+              <a:rPr lang="en-US" dirty="0" smtClean="0"/>
+              <a:t>Then consolidated hazard detection into fewer modules (after a lot of debugging)</a:t>
+            </a:r>
+          </a:p>
+          <a:p>
+            <a:pPr lvl="1"/>
+            <a:r>
+              <a:rPr lang="en-US" dirty="0" smtClean="0"/>
+              <a:t>MEM_EX</a:t>
+            </a:r>
+            <a:r>
+              <a:rPr lang="en-US" dirty="0" smtClean="0"/>
+              <a:t>_HAZARD</a:t>
+            </a:r>
+          </a:p>
+          <a:p>
+            <a:pPr lvl="1"/>
+            <a:r>
+              <a:rPr lang="en-US" dirty="0" smtClean="0"/>
+              <a:t>WB_EX_HAZARD</a:t>
+            </a:r>
+          </a:p>
+          <a:p>
+            <a:pPr lvl="1"/>
+            <a:r>
+              <a:rPr lang="en-US" dirty="0" smtClean="0"/>
+              <a:t>WB_MEM_HAZARD -&gt; later deleted</a:t>
+            </a:r>
+            <a:endParaRPr lang="en-US" dirty="0" smtClean="0"/>
+          </a:p>
+          <a:p>
+            <a:pPr lvl="1"/>
+            <a:r>
+              <a:rPr lang="en-US" dirty="0" smtClean="0"/>
+              <a:t>STALL_LOAD_HAZARD</a:t>
+            </a:r>
+          </a:p>
+          <a:p>
+            <a:pPr lvl="1"/>
+            <a:r>
+              <a:rPr lang="en-US" dirty="0" smtClean="0"/>
+              <a:t>WB_ID_HAZARD</a:t>
             </a:r>
             <a:endParaRPr lang="en-US" dirty="0"/>
           </a:p>
@@ -6281,19 +6332,94 @@
             <p:ph idx="1"/>
           </p:nvPr>
         </p:nvSpPr>
-        <p:spPr/>
+        <p:spPr>
+          <a:xfrm>
+            <a:off x="677334" y="2160589"/>
+            <a:ext cx="3312775" cy="3880773"/>
+          </a:xfrm>
+        </p:spPr>
         <p:txBody>
           <a:bodyPr/>
           <a:lstStyle/>
           <a:p>
             <a:r>
               <a:rPr lang="en-US" dirty="0" smtClean="0"/>
-              <a:t>(INSERT SOME SCREENSHOT OF THE SYNTHESIS RESULTS HERE OR SOMETHING THAT ILLUSTRATES WHAT OUR SYNTHESIS LOOKS LIKE)</a:t>
-            </a:r>
-            <a:endParaRPr lang="en-US" dirty="0"/>
-          </a:p>
-        </p:txBody>
-      </p:sp>
+              <a:t>Area : 18000 um</a:t>
+            </a:r>
+            <a:r>
+              <a:rPr lang="en-US" baseline="30000" dirty="0" smtClean="0"/>
+              <a:t>2</a:t>
+            </a:r>
+            <a:endParaRPr lang="en-US" baseline="30000" dirty="0"/>
+          </a:p>
+          <a:p>
+            <a:r>
+              <a:rPr lang="en-US" dirty="0" smtClean="0"/>
+              <a:t>Timing : (800 MHz) -&gt; MET </a:t>
+            </a:r>
+            <a:endParaRPr lang="en-US" dirty="0" smtClean="0"/>
+          </a:p>
+        </p:txBody>
+      </p:sp>
+      <p:pic>
+        <p:nvPicPr>
+          <p:cNvPr id="4" name="Picture 3"/>
+          <p:cNvPicPr>
+            <a:picLocks noChangeAspect="1"/>
+          </p:cNvPicPr>
+          <p:nvPr/>
+        </p:nvPicPr>
+        <p:blipFill>
+          <a:blip r:embed="rId2" cstate="print">
+            <a:extLst>
+              <a:ext uri="{28A0092B-C50C-407E-A947-70E740481C1C}">
+                <a14:useLocalDpi xmlns:a14="http://schemas.microsoft.com/office/drawing/2010/main" val="0"/>
+              </a:ext>
+            </a:extLst>
+          </a:blip>
+          <a:stretch>
+            <a:fillRect/>
+          </a:stretch>
+        </p:blipFill>
+        <p:spPr>
+          <a:xfrm>
+            <a:off x="5246637" y="395130"/>
+            <a:ext cx="3742983" cy="5876421"/>
+          </a:xfrm>
+          <a:prstGeom prst="rect">
+            <a:avLst/>
+          </a:prstGeom>
+        </p:spPr>
+      </p:pic>
+      <p:pic>
+        <p:nvPicPr>
+          <p:cNvPr id="6" name="Picture 5"/>
+          <p:cNvPicPr>
+            <a:picLocks noChangeAspect="1"/>
+          </p:cNvPicPr>
+          <p:nvPr/>
+        </p:nvPicPr>
+        <p:blipFill rotWithShape="1">
+          <a:blip r:embed="rId3">
+            <a:extLst>
+              <a:ext uri="{28A0092B-C50C-407E-A947-70E740481C1C}">
+                <a14:useLocalDpi xmlns:a14="http://schemas.microsoft.com/office/drawing/2010/main" val="0"/>
+              </a:ext>
+            </a:extLst>
+          </a:blip>
+          <a:srcRect t="35046"/>
+          <a:stretch/>
+        </p:blipFill>
+        <p:spPr>
+          <a:xfrm>
+            <a:off x="1019463" y="3203869"/>
+            <a:ext cx="3885046" cy="3067682"/>
+          </a:xfrm>
+          <a:prstGeom prst="rect">
+            <a:avLst/>
+          </a:prstGeom>
+        </p:spPr>
+      </p:pic>
     </p:spTree>
     <p:extLst>
       <p:ext uri="{BB962C8B-B14F-4D97-AF65-F5344CB8AC3E}">
@@ -6371,7 +6497,65 @@
           <a:p>
             <a:r>
               <a:rPr lang="en-US" dirty="0" smtClean="0"/>
-              <a:t>(add some of the biggest issues we faced)</a:t>
+              <a:t>Attempted to keep modularity</a:t>
+            </a:r>
+          </a:p>
+          <a:p>
+            <a:pPr lvl="1"/>
+            <a:r>
+              <a:rPr lang="en-US" dirty="0" smtClean="0"/>
+              <a:t>Caused many unnecessary signals that were later removed by synthesis</a:t>
+            </a:r>
+          </a:p>
+          <a:p>
+            <a:r>
+              <a:rPr lang="en-US" dirty="0" smtClean="0"/>
+              <a:t>PC Logic</a:t>
+            </a:r>
+          </a:p>
+          <a:p>
+            <a:pPr lvl="1"/>
+            <a:r>
+              <a:rPr lang="en-US" dirty="0" smtClean="0"/>
+              <a:t>When stalling, we block the write enable </a:t>
+            </a:r>
+          </a:p>
+          <a:p>
+            <a:r>
+              <a:rPr lang="en-US" dirty="0" smtClean="0"/>
+              <a:t>Jump/Branch </a:t>
+            </a:r>
+          </a:p>
+          <a:p>
+            <a:pPr lvl="1"/>
+            <a:r>
+              <a:rPr lang="en-US" dirty="0" smtClean="0"/>
+              <a:t>Flush registers and modify </a:t>
+            </a:r>
+            <a:r>
+              <a:rPr lang="en-US" dirty="0" err="1" smtClean="0"/>
+              <a:t>nextPC</a:t>
+            </a:r>
+            <a:endParaRPr lang="en-US" dirty="0" smtClean="0"/>
+          </a:p>
+          <a:p>
+            <a:pPr lvl="1"/>
+            <a:r>
+              <a:rPr lang="en-US" dirty="0" smtClean="0"/>
+              <a:t>Determine what to flush, what to stall </a:t>
+            </a:r>
+          </a:p>
+          <a:p>
+            <a:r>
+              <a:rPr lang="en-US" dirty="0" smtClean="0"/>
+              <a:t>Trap detection</a:t>
+            </a:r>
+          </a:p>
+          <a:p>
+            <a:pPr lvl="1"/>
+            <a:r>
+              <a:rPr lang="en-US" dirty="0" smtClean="0"/>
+              <a:t>Executed in MEM stage to avoid unwanted writes to memory and/or registers</a:t>
             </a:r>
             <a:endParaRPr lang="en-US" dirty="0"/>
           </a:p>
@@ -6625,29 +6809,35 @@
           </a:p>
         </p:txBody>
       </p:sp>
-      <p:sp>
-        <p:nvSpPr>
-          <p:cNvPr id="3" name="Content Placeholder 2"/>
-          <p:cNvSpPr>
-            <a:spLocks noGrp="1"/>
-          </p:cNvSpPr>
+      <p:pic>
+        <p:nvPicPr>
+          <p:cNvPr id="4" name="Content Placeholder 3"/>
+          <p:cNvPicPr>
+            <a:picLocks noGrp="1" noChangeAspect="1"/>
+          </p:cNvPicPr>
           <p:nvPr>
             <p:ph idx="1"/>
           </p:nvPr>
-        </p:nvSpPr>
-        <p:spPr/>
-        <p:txBody>
-          <a:bodyPr/>
-          <a:lstStyle/>
-          <a:p>
-            <a:r>
-              <a:rPr lang="en-US" dirty="0" smtClean="0"/>
-              <a:t>(Insert drawing, or graphic, or however you want to demonstrate the overall datapath, aka what is contained in each stage)</a:t>
-            </a:r>
-            <a:endParaRPr lang="en-US" dirty="0"/>
-          </a:p>
-        </p:txBody>
-      </p:sp>
+        </p:nvPicPr>
+        <p:blipFill>
+          <a:blip r:embed="rId2" cstate="print">
+            <a:extLst>
+              <a:ext uri="{28A0092B-C50C-407E-A947-70E740481C1C}">
+                <a14:useLocalDpi xmlns:a14="http://schemas.microsoft.com/office/drawing/2010/main" val="0"/>
+              </a:ext>
+            </a:extLst>
+          </a:blip>
+          <a:stretch>
+            <a:fillRect/>
+          </a:stretch>
+        </p:blipFill>
+        <p:spPr>
+          <a:xfrm rot="16200000">
+            <a:off x="3608591" y="1250233"/>
+            <a:ext cx="4415855" cy="5776190"/>
+          </a:xfrm>
+        </p:spPr>
+      </p:pic>
     </p:spTree>
     <p:extLst>
       <p:ext uri="{BB962C8B-B14F-4D97-AF65-F5344CB8AC3E}">
@@ -6743,6 +6933,36 @@
           </a:p>
         </p:txBody>
       </p:sp>
+      <p:pic>
+        <p:nvPicPr>
+          <p:cNvPr id="4" name="Picture 3"/>
+          <p:cNvPicPr>
+            <a:picLocks noChangeAspect="1"/>
+          </p:cNvPicPr>
+          <p:nvPr/>
+        </p:nvPicPr>
+        <p:blipFill>
+          <a:blip r:embed="rId2">
+            <a:extLst>
+              <a:ext uri="{28A0092B-C50C-407E-A947-70E740481C1C}">
+                <a14:useLocalDpi xmlns:a14="http://schemas.microsoft.com/office/drawing/2010/main" val="0"/>
+              </a:ext>
+            </a:extLst>
+          </a:blip>
+          <a:stretch>
+            <a:fillRect/>
+          </a:stretch>
+        </p:blipFill>
+        <p:spPr>
+          <a:xfrm>
+            <a:off x="3522611" y="4216753"/>
+            <a:ext cx="3118863" cy="1944137"/>
+          </a:xfrm>
+          <a:prstGeom prst="rect">
+            <a:avLst/>
+          </a:prstGeom>
+        </p:spPr>
+      </p:pic>
     </p:spTree>
     <p:extLst>
       <p:ext uri="{BB962C8B-B14F-4D97-AF65-F5344CB8AC3E}">
@@ -6931,7 +7151,12 @@
             <p:ph idx="1"/>
           </p:nvPr>
         </p:nvSpPr>
-        <p:spPr/>
+        <p:spPr>
+          <a:xfrm>
+            <a:off x="677334" y="2160589"/>
+            <a:ext cx="5889721" cy="3880773"/>
+          </a:xfrm>
+        </p:spPr>
         <p:txBody>
           <a:bodyPr/>
           <a:lstStyle/>
@@ -6950,6 +7175,36 @@
           </a:p>
         </p:txBody>
       </p:sp>
+      <p:pic>
+        <p:nvPicPr>
+          <p:cNvPr id="4" name="Content Placeholder 6"/>
+          <p:cNvPicPr>
+            <a:picLocks noChangeAspect="1"/>
+          </p:cNvPicPr>
+          <p:nvPr/>
+        </p:nvPicPr>
+        <p:blipFill>
+          <a:blip r:embed="rId2">
+            <a:extLst>
+              <a:ext uri="{28A0092B-C50C-407E-A947-70E740481C1C}">
+                <a14:useLocalDpi xmlns:a14="http://schemas.microsoft.com/office/drawing/2010/main" val="0"/>
+              </a:ext>
+            </a:extLst>
+          </a:blip>
+          <a:stretch>
+            <a:fillRect/>
+          </a:stretch>
+        </p:blipFill>
+        <p:spPr>
+          <a:xfrm>
+            <a:off x="7255197" y="1309618"/>
+            <a:ext cx="2291937" cy="4731744"/>
+          </a:xfrm>
+          <a:prstGeom prst="rect">
+            <a:avLst/>
+          </a:prstGeom>
+        </p:spPr>
+      </p:pic>
     </p:spTree>
     <p:extLst>
       <p:ext uri="{BB962C8B-B14F-4D97-AF65-F5344CB8AC3E}">
@@ -7034,20 +7289,18 @@
         </p:blipFill>
         <p:spPr>
           <a:xfrm>
-            <a:off x="838200" y="1825625"/>
-            <a:ext cx="3302658" cy="4351338"/>
+            <a:off x="476246" y="1825623"/>
+            <a:ext cx="3169479" cy="4351338"/>
           </a:xfrm>
         </p:spPr>
       </p:pic>
       <p:pic>
         <p:nvPicPr>
-          <p:cNvPr id="7" name="Content Placeholder 6"/>
+          <p:cNvPr id="8" name="Picture 7"/>
           <p:cNvPicPr>
-            <a:picLocks noGrp="1" noChangeAspect="1"/>
+            <a:picLocks noChangeAspect="1"/>
           </p:cNvPicPr>
-          <p:nvPr>
-            <p:ph sz="half" idx="2"/>
-          </p:nvPr>
+          <p:nvPr/>
         </p:nvPicPr>
         <p:blipFill>
           <a:blip r:embed="rId3">
@@ -7063,34 +7316,7 @@
         </p:blipFill>
         <p:spPr>
           <a:xfrm>
-            <a:off x="6241815" y="2160588"/>
-            <a:ext cx="1880070" cy="3881437"/>
-          </a:xfrm>
-        </p:spPr>
-      </p:pic>
-      <p:pic>
-        <p:nvPicPr>
-          <p:cNvPr id="8" name="Picture 7"/>
-          <p:cNvPicPr>
-            <a:picLocks noChangeAspect="1"/>
-          </p:cNvPicPr>
-          <p:nvPr/>
-        </p:nvPicPr>
-        <p:blipFill>
-          <a:blip r:embed="rId4">
-            <a:extLst>
-              <a:ext uri="{28A0092B-C50C-407E-A947-70E740481C1C}">
-                <a14:useLocalDpi xmlns:a14="http://schemas.microsoft.com/office/drawing/2010/main" val="0"/>
-              </a:ext>
-            </a:extLst>
-          </a:blip>
-          <a:stretch>
-            <a:fillRect/>
-          </a:stretch>
-        </p:blipFill>
-        <p:spPr>
-          <a:xfrm>
-            <a:off x="5388548" y="1825625"/>
+            <a:off x="4257860" y="1825622"/>
             <a:ext cx="2413187" cy="4351337"/>
           </a:xfrm>
           <a:prstGeom prst="rect">
@@ -7315,6 +7541,25 @@
               <a:rPr lang="en-US" dirty="0" smtClean="0"/>
               <a:t>” component from single cycle still used to check if branch or jump occurs </a:t>
             </a:r>
+            <a:endParaRPr lang="en-US" dirty="0" smtClean="0"/>
+          </a:p>
+          <a:p>
+            <a:r>
+              <a:rPr lang="en-US" dirty="0" err="1" smtClean="0"/>
+              <a:t>Leap_out</a:t>
+            </a:r>
+            <a:r>
+              <a:rPr lang="en-US" dirty="0" smtClean="0"/>
+              <a:t> and </a:t>
+            </a:r>
+            <a:r>
+              <a:rPr lang="en-US" dirty="0" err="1" smtClean="0"/>
+              <a:t>leap_addr</a:t>
+            </a:r>
+            <a:r>
+              <a:rPr lang="en-US" dirty="0" smtClean="0"/>
+              <a:t> taken from the output of the EX/MEM pipeline register</a:t>
+            </a:r>
             <a:endParaRPr lang="en-US" dirty="0"/>
           </a:p>
         </p:txBody>
@@ -7343,7 +7588,7 @@
         </p:blipFill>
         <p:spPr>
           <a:xfrm>
-            <a:off x="6681538" y="623358"/>
+            <a:off x="5292125" y="1970014"/>
             <a:ext cx="4129055" cy="4351338"/>
           </a:xfrm>
         </p:spPr>
@@ -7370,7 +7615,7 @@
         </p:blipFill>
         <p:spPr>
           <a:xfrm>
-            <a:off x="8746065" y="5227782"/>
+            <a:off x="6378586" y="502413"/>
             <a:ext cx="1772248" cy="949181"/>
           </a:xfrm>
           <a:prstGeom prst="rect">
